--- a/DynamicPricing using ReinforcementLearning 발표.pptx
+++ b/DynamicPricing using ReinforcementLearning 발표.pptx
@@ -28,7 +28,6 @@
     <p:sldId id="283" r:id="rId22"/>
     <p:sldId id="284" r:id="rId23"/>
     <p:sldId id="265" r:id="rId24"/>
-    <p:sldId id="285" r:id="rId25"/>
   </p:sldIdLst>
   <p:sldSz cx="12192000" cy="6858000"/>
   <p:notesSz cx="6858000" cy="9144000"/>
@@ -282,7 +281,7 @@
           <a:p>
             <a:fld id="{9EE074A4-9FB9-4419-8C4A-090DF204130B}" type="datetimeFigureOut">
               <a:rPr lang="ko-KR" altLang="en-US" smtClean="0"/>
-              <a:t>2020-01-22</a:t>
+              <a:t>2020-05-04</a:t>
             </a:fld>
             <a:endParaRPr lang="ko-KR" altLang="en-US"/>
           </a:p>
@@ -480,7 +479,7 @@
           <a:p>
             <a:fld id="{9EE074A4-9FB9-4419-8C4A-090DF204130B}" type="datetimeFigureOut">
               <a:rPr lang="ko-KR" altLang="en-US" smtClean="0"/>
-              <a:t>2020-01-22</a:t>
+              <a:t>2020-05-04</a:t>
             </a:fld>
             <a:endParaRPr lang="ko-KR" altLang="en-US"/>
           </a:p>
@@ -688,7 +687,7 @@
           <a:p>
             <a:fld id="{9EE074A4-9FB9-4419-8C4A-090DF204130B}" type="datetimeFigureOut">
               <a:rPr lang="ko-KR" altLang="en-US" smtClean="0"/>
-              <a:t>2020-01-22</a:t>
+              <a:t>2020-05-04</a:t>
             </a:fld>
             <a:endParaRPr lang="ko-KR" altLang="en-US"/>
           </a:p>
@@ -886,7 +885,7 @@
           <a:p>
             <a:fld id="{9EE074A4-9FB9-4419-8C4A-090DF204130B}" type="datetimeFigureOut">
               <a:rPr lang="ko-KR" altLang="en-US" smtClean="0"/>
-              <a:t>2020-01-22</a:t>
+              <a:t>2020-05-04</a:t>
             </a:fld>
             <a:endParaRPr lang="ko-KR" altLang="en-US"/>
           </a:p>
@@ -1161,7 +1160,7 @@
           <a:p>
             <a:fld id="{9EE074A4-9FB9-4419-8C4A-090DF204130B}" type="datetimeFigureOut">
               <a:rPr lang="ko-KR" altLang="en-US" smtClean="0"/>
-              <a:t>2020-01-22</a:t>
+              <a:t>2020-05-04</a:t>
             </a:fld>
             <a:endParaRPr lang="ko-KR" altLang="en-US"/>
           </a:p>
@@ -1426,7 +1425,7 @@
           <a:p>
             <a:fld id="{9EE074A4-9FB9-4419-8C4A-090DF204130B}" type="datetimeFigureOut">
               <a:rPr lang="ko-KR" altLang="en-US" smtClean="0"/>
-              <a:t>2020-01-22</a:t>
+              <a:t>2020-05-04</a:t>
             </a:fld>
             <a:endParaRPr lang="ko-KR" altLang="en-US"/>
           </a:p>
@@ -1838,7 +1837,7 @@
           <a:p>
             <a:fld id="{9EE074A4-9FB9-4419-8C4A-090DF204130B}" type="datetimeFigureOut">
               <a:rPr lang="ko-KR" altLang="en-US" smtClean="0"/>
-              <a:t>2020-01-22</a:t>
+              <a:t>2020-05-04</a:t>
             </a:fld>
             <a:endParaRPr lang="ko-KR" altLang="en-US"/>
           </a:p>
@@ -1979,7 +1978,7 @@
           <a:p>
             <a:fld id="{9EE074A4-9FB9-4419-8C4A-090DF204130B}" type="datetimeFigureOut">
               <a:rPr lang="ko-KR" altLang="en-US" smtClean="0"/>
-              <a:t>2020-01-22</a:t>
+              <a:t>2020-05-04</a:t>
             </a:fld>
             <a:endParaRPr lang="ko-KR" altLang="en-US"/>
           </a:p>
@@ -2092,7 +2091,7 @@
           <a:p>
             <a:fld id="{9EE074A4-9FB9-4419-8C4A-090DF204130B}" type="datetimeFigureOut">
               <a:rPr lang="ko-KR" altLang="en-US" smtClean="0"/>
-              <a:t>2020-01-22</a:t>
+              <a:t>2020-05-04</a:t>
             </a:fld>
             <a:endParaRPr lang="ko-KR" altLang="en-US"/>
           </a:p>
@@ -2403,7 +2402,7 @@
           <a:p>
             <a:fld id="{9EE074A4-9FB9-4419-8C4A-090DF204130B}" type="datetimeFigureOut">
               <a:rPr lang="ko-KR" altLang="en-US" smtClean="0"/>
-              <a:t>2020-01-22</a:t>
+              <a:t>2020-05-04</a:t>
             </a:fld>
             <a:endParaRPr lang="ko-KR" altLang="en-US"/>
           </a:p>
@@ -2691,7 +2690,7 @@
           <a:p>
             <a:fld id="{9EE074A4-9FB9-4419-8C4A-090DF204130B}" type="datetimeFigureOut">
               <a:rPr lang="ko-KR" altLang="en-US" smtClean="0"/>
-              <a:t>2020-01-22</a:t>
+              <a:t>2020-05-04</a:t>
             </a:fld>
             <a:endParaRPr lang="ko-KR" altLang="en-US"/>
           </a:p>
@@ -2932,7 +2931,7 @@
           <a:p>
             <a:fld id="{9EE074A4-9FB9-4419-8C4A-090DF204130B}" type="datetimeFigureOut">
               <a:rPr lang="ko-KR" altLang="en-US" smtClean="0"/>
-              <a:t>2020-01-22</a:t>
+              <a:t>2020-05-04</a:t>
             </a:fld>
             <a:endParaRPr lang="ko-KR" altLang="en-US"/>
           </a:p>
@@ -6871,242 +6870,6 @@
 </p:sld>
 </file>
 
-<file path=ppt/slides/slide24.xml><?xml version="1.0" encoding="utf-8"?>
-<p:sld xmlns:a="http://schemas.openxmlformats.org/drawingml/2006/main" xmlns:r="http://schemas.openxmlformats.org/officeDocument/2006/relationships" xmlns:p="http://schemas.openxmlformats.org/presentationml/2006/main">
-  <p:cSld>
-    <p:spTree>
-      <p:nvGrpSpPr>
-        <p:cNvPr id="1" name=""/>
-        <p:cNvGrpSpPr/>
-        <p:nvPr/>
-      </p:nvGrpSpPr>
-      <p:grpSpPr>
-        <a:xfrm>
-          <a:off x="0" y="0"/>
-          <a:ext cx="0" cy="0"/>
-          <a:chOff x="0" y="0"/>
-          <a:chExt cx="0" cy="0"/>
-        </a:xfrm>
-      </p:grpSpPr>
-      <p:sp>
-        <p:nvSpPr>
-          <p:cNvPr id="2" name="제목 1">
-            <a:extLst>
-              <a:ext uri="{FF2B5EF4-FFF2-40B4-BE49-F238E27FC236}">
-                <a16:creationId xmlns:a16="http://schemas.microsoft.com/office/drawing/2014/main" id="{CB3885F9-79DC-445E-87C1-E7BE3551FF19}"/>
-              </a:ext>
-            </a:extLst>
-          </p:cNvPr>
-          <p:cNvSpPr>
-            <a:spLocks noGrp="1"/>
-          </p:cNvSpPr>
-          <p:nvPr>
-            <p:ph type="title"/>
-          </p:nvPr>
-        </p:nvSpPr>
-        <p:spPr/>
-        <p:txBody>
-          <a:bodyPr/>
-          <a:lstStyle/>
-          <a:p>
-            <a:r>
-              <a:rPr lang="en-US" altLang="ko-KR" dirty="0"/>
-              <a:t>Plan</a:t>
-            </a:r>
-            <a:endParaRPr lang="ko-KR" altLang="en-US" dirty="0"/>
-          </a:p>
-        </p:txBody>
-      </p:sp>
-      <p:sp>
-        <p:nvSpPr>
-          <p:cNvPr id="3" name="내용 개체 틀 2">
-            <a:extLst>
-              <a:ext uri="{FF2B5EF4-FFF2-40B4-BE49-F238E27FC236}">
-                <a16:creationId xmlns:a16="http://schemas.microsoft.com/office/drawing/2014/main" id="{EE490512-774A-487D-8D3E-CF498D1D7407}"/>
-              </a:ext>
-            </a:extLst>
-          </p:cNvPr>
-          <p:cNvSpPr>
-            <a:spLocks noGrp="1"/>
-          </p:cNvSpPr>
-          <p:nvPr>
-            <p:ph idx="1"/>
-          </p:nvPr>
-        </p:nvSpPr>
-        <p:spPr>
-          <a:xfrm>
-            <a:off x="838200" y="3423183"/>
-            <a:ext cx="10515600" cy="4351338"/>
-          </a:xfrm>
-        </p:spPr>
-        <p:txBody>
-          <a:bodyPr/>
-          <a:lstStyle/>
-          <a:p>
-            <a:r>
-              <a:rPr lang="ko-KR" altLang="en-US" sz="2000" dirty="0"/>
-              <a:t>실제 상황과 비슷하게 환경 구성</a:t>
-            </a:r>
-            <a:endParaRPr lang="en-US" altLang="ko-KR" sz="2000" dirty="0"/>
-          </a:p>
-          <a:p>
-            <a:endParaRPr lang="en-US" altLang="ko-KR" sz="2000" dirty="0"/>
-          </a:p>
-          <a:p>
-            <a:pPr lvl="1">
-              <a:buFontTx/>
-              <a:buChar char="-"/>
-            </a:pPr>
-            <a:r>
-              <a:rPr lang="en-US" altLang="ko-KR" sz="1600" dirty="0"/>
-              <a:t>Uber</a:t>
-            </a:r>
-            <a:r>
-              <a:rPr lang="ko-KR" altLang="en-US" sz="1600" dirty="0"/>
-              <a:t>측 실제 </a:t>
-            </a:r>
-            <a:r>
-              <a:rPr lang="en-US" altLang="ko-KR" sz="1600" dirty="0"/>
-              <a:t>Pickup </a:t>
-            </a:r>
-            <a:r>
-              <a:rPr lang="ko-KR" altLang="en-US" sz="1600" dirty="0"/>
-              <a:t>데이터 사용</a:t>
-            </a:r>
-            <a:endParaRPr lang="en-US" altLang="ko-KR" sz="1600" dirty="0"/>
-          </a:p>
-          <a:p>
-            <a:pPr lvl="1">
-              <a:buFontTx/>
-              <a:buChar char="-"/>
-            </a:pPr>
-            <a:r>
-              <a:rPr lang="ko-KR" altLang="en-US" sz="1600" dirty="0"/>
-              <a:t>밀도 기반 클러스터링 기법인 </a:t>
-            </a:r>
-            <a:r>
-              <a:rPr lang="en-US" altLang="ko-KR" sz="1600" dirty="0"/>
-              <a:t>DBSCAN</a:t>
-            </a:r>
-            <a:r>
-              <a:rPr lang="ko-KR" altLang="en-US" sz="1600" dirty="0"/>
-              <a:t>을 이용하여 </a:t>
-            </a:r>
-            <a:r>
-              <a:rPr lang="ko-KR" altLang="en-US" sz="1600" dirty="0" err="1"/>
-              <a:t>전처리</a:t>
-            </a:r>
-            <a:endParaRPr lang="en-US" altLang="ko-KR" sz="1600" dirty="0"/>
-          </a:p>
-          <a:p>
-            <a:pPr lvl="1">
-              <a:buFontTx/>
-              <a:buChar char="-"/>
-            </a:pPr>
-            <a:r>
-              <a:rPr lang="ko-KR" altLang="en-US" sz="1600" dirty="0"/>
-              <a:t>강화학습에는 환경에 대한 수 많은 변수가 존재하기에 실제 상황과 비슷하게 만든 후 여러가지 실험 진행</a:t>
-            </a:r>
-            <a:endParaRPr lang="en-US" altLang="ko-KR" sz="1600" dirty="0"/>
-          </a:p>
-          <a:p>
-            <a:pPr marL="0" indent="0">
-              <a:buNone/>
-            </a:pPr>
-            <a:endParaRPr lang="en-US" altLang="ko-KR" sz="1800" dirty="0"/>
-          </a:p>
-        </p:txBody>
-      </p:sp>
-      <p:pic>
-        <p:nvPicPr>
-          <p:cNvPr id="4" name="그림 3">
-            <a:extLst>
-              <a:ext uri="{FF2B5EF4-FFF2-40B4-BE49-F238E27FC236}">
-                <a16:creationId xmlns:a16="http://schemas.microsoft.com/office/drawing/2014/main" id="{A11DF02A-5A67-4C17-A77B-571BD9AAF953}"/>
-              </a:ext>
-            </a:extLst>
-          </p:cNvPr>
-          <p:cNvPicPr>
-            <a:picLocks noChangeAspect="1"/>
-          </p:cNvPicPr>
-          <p:nvPr/>
-        </p:nvPicPr>
-        <p:blipFill>
-          <a:blip r:embed="rId2"/>
-          <a:stretch>
-            <a:fillRect/>
-          </a:stretch>
-        </p:blipFill>
-        <p:spPr>
-          <a:xfrm>
-            <a:off x="5063343" y="661988"/>
-            <a:ext cx="2705100" cy="2057400"/>
-          </a:xfrm>
-          <a:prstGeom prst="rect">
-            <a:avLst/>
-          </a:prstGeom>
-        </p:spPr>
-      </p:pic>
-      <p:pic>
-        <p:nvPicPr>
-          <p:cNvPr id="1026" name="Picture 2" descr="DBSCAN에 대한 이미지 검색결과">
-            <a:extLst>
-              <a:ext uri="{FF2B5EF4-FFF2-40B4-BE49-F238E27FC236}">
-                <a16:creationId xmlns:a16="http://schemas.microsoft.com/office/drawing/2014/main" id="{077CCE06-7CCA-45BD-A300-EE7B50463842}"/>
-              </a:ext>
-            </a:extLst>
-          </p:cNvPr>
-          <p:cNvPicPr>
-            <a:picLocks noChangeAspect="1" noChangeArrowheads="1"/>
-          </p:cNvPicPr>
-          <p:nvPr/>
-        </p:nvPicPr>
-        <p:blipFill>
-          <a:blip r:embed="rId3">
-            <a:extLst>
-              <a:ext uri="{28A0092B-C50C-407E-A947-70E740481C1C}">
-                <a14:useLocalDpi xmlns:a14="http://schemas.microsoft.com/office/drawing/2010/main" val="0"/>
-              </a:ext>
-            </a:extLst>
-          </a:blip>
-          <a:srcRect/>
-          <a:stretch>
-            <a:fillRect/>
-          </a:stretch>
-        </p:blipFill>
-        <p:spPr bwMode="auto">
-          <a:xfrm>
-            <a:off x="8182947" y="486731"/>
-            <a:ext cx="3477208" cy="2607906"/>
-          </a:xfrm>
-          <a:prstGeom prst="rect">
-            <a:avLst/>
-          </a:prstGeom>
-          <a:noFill/>
-          <a:extLst>
-            <a:ext uri="{909E8E84-426E-40DD-AFC4-6F175D3DCCD1}">
-              <a14:hiddenFill xmlns:a14="http://schemas.microsoft.com/office/drawing/2010/main">
-                <a:solidFill>
-                  <a:srgbClr val="FFFFFF"/>
-                </a:solidFill>
-              </a14:hiddenFill>
-            </a:ext>
-          </a:extLst>
-        </p:spPr>
-      </p:pic>
-    </p:spTree>
-    <p:extLst>
-      <p:ext uri="{BB962C8B-B14F-4D97-AF65-F5344CB8AC3E}">
-        <p14:creationId xmlns:p14="http://schemas.microsoft.com/office/powerpoint/2010/main" val="3502237442"/>
-      </p:ext>
-    </p:extLst>
-  </p:cSld>
-  <p:clrMapOvr>
-    <a:masterClrMapping/>
-  </p:clrMapOvr>
-</p:sld>
-</file>
-
 <file path=ppt/slides/slide3.xml><?xml version="1.0" encoding="utf-8"?>
 <p:sld xmlns:a="http://schemas.openxmlformats.org/drawingml/2006/main" xmlns:r="http://schemas.openxmlformats.org/officeDocument/2006/relationships" xmlns:p="http://schemas.openxmlformats.org/presentationml/2006/main">
   <p:cSld>

--- a/DynamicPricing using ReinforcementLearning 발표.pptx
+++ b/DynamicPricing using ReinforcementLearning 발표.pptx
@@ -281,7 +281,7 @@
           <a:p>
             <a:fld id="{9EE074A4-9FB9-4419-8C4A-090DF204130B}" type="datetimeFigureOut">
               <a:rPr lang="ko-KR" altLang="en-US" smtClean="0"/>
-              <a:t>2020-05-04</a:t>
+              <a:t>2020-05-06</a:t>
             </a:fld>
             <a:endParaRPr lang="ko-KR" altLang="en-US"/>
           </a:p>
@@ -479,7 +479,7 @@
           <a:p>
             <a:fld id="{9EE074A4-9FB9-4419-8C4A-090DF204130B}" type="datetimeFigureOut">
               <a:rPr lang="ko-KR" altLang="en-US" smtClean="0"/>
-              <a:t>2020-05-04</a:t>
+              <a:t>2020-05-06</a:t>
             </a:fld>
             <a:endParaRPr lang="ko-KR" altLang="en-US"/>
           </a:p>
@@ -687,7 +687,7 @@
           <a:p>
             <a:fld id="{9EE074A4-9FB9-4419-8C4A-090DF204130B}" type="datetimeFigureOut">
               <a:rPr lang="ko-KR" altLang="en-US" smtClean="0"/>
-              <a:t>2020-05-04</a:t>
+              <a:t>2020-05-06</a:t>
             </a:fld>
             <a:endParaRPr lang="ko-KR" altLang="en-US"/>
           </a:p>
@@ -885,7 +885,7 @@
           <a:p>
             <a:fld id="{9EE074A4-9FB9-4419-8C4A-090DF204130B}" type="datetimeFigureOut">
               <a:rPr lang="ko-KR" altLang="en-US" smtClean="0"/>
-              <a:t>2020-05-04</a:t>
+              <a:t>2020-05-06</a:t>
             </a:fld>
             <a:endParaRPr lang="ko-KR" altLang="en-US"/>
           </a:p>
@@ -1160,7 +1160,7 @@
           <a:p>
             <a:fld id="{9EE074A4-9FB9-4419-8C4A-090DF204130B}" type="datetimeFigureOut">
               <a:rPr lang="ko-KR" altLang="en-US" smtClean="0"/>
-              <a:t>2020-05-04</a:t>
+              <a:t>2020-05-06</a:t>
             </a:fld>
             <a:endParaRPr lang="ko-KR" altLang="en-US"/>
           </a:p>
@@ -1425,7 +1425,7 @@
           <a:p>
             <a:fld id="{9EE074A4-9FB9-4419-8C4A-090DF204130B}" type="datetimeFigureOut">
               <a:rPr lang="ko-KR" altLang="en-US" smtClean="0"/>
-              <a:t>2020-05-04</a:t>
+              <a:t>2020-05-06</a:t>
             </a:fld>
             <a:endParaRPr lang="ko-KR" altLang="en-US"/>
           </a:p>
@@ -1837,7 +1837,7 @@
           <a:p>
             <a:fld id="{9EE074A4-9FB9-4419-8C4A-090DF204130B}" type="datetimeFigureOut">
               <a:rPr lang="ko-KR" altLang="en-US" smtClean="0"/>
-              <a:t>2020-05-04</a:t>
+              <a:t>2020-05-06</a:t>
             </a:fld>
             <a:endParaRPr lang="ko-KR" altLang="en-US"/>
           </a:p>
@@ -1978,7 +1978,7 @@
           <a:p>
             <a:fld id="{9EE074A4-9FB9-4419-8C4A-090DF204130B}" type="datetimeFigureOut">
               <a:rPr lang="ko-KR" altLang="en-US" smtClean="0"/>
-              <a:t>2020-05-04</a:t>
+              <a:t>2020-05-06</a:t>
             </a:fld>
             <a:endParaRPr lang="ko-KR" altLang="en-US"/>
           </a:p>
@@ -2091,7 +2091,7 @@
           <a:p>
             <a:fld id="{9EE074A4-9FB9-4419-8C4A-090DF204130B}" type="datetimeFigureOut">
               <a:rPr lang="ko-KR" altLang="en-US" smtClean="0"/>
-              <a:t>2020-05-04</a:t>
+              <a:t>2020-05-06</a:t>
             </a:fld>
             <a:endParaRPr lang="ko-KR" altLang="en-US"/>
           </a:p>
@@ -2402,7 +2402,7 @@
           <a:p>
             <a:fld id="{9EE074A4-9FB9-4419-8C4A-090DF204130B}" type="datetimeFigureOut">
               <a:rPr lang="ko-KR" altLang="en-US" smtClean="0"/>
-              <a:t>2020-05-04</a:t>
+              <a:t>2020-05-06</a:t>
             </a:fld>
             <a:endParaRPr lang="ko-KR" altLang="en-US"/>
           </a:p>
@@ -2690,7 +2690,7 @@
           <a:p>
             <a:fld id="{9EE074A4-9FB9-4419-8C4A-090DF204130B}" type="datetimeFigureOut">
               <a:rPr lang="ko-KR" altLang="en-US" smtClean="0"/>
-              <a:t>2020-05-04</a:t>
+              <a:t>2020-05-06</a:t>
             </a:fld>
             <a:endParaRPr lang="ko-KR" altLang="en-US"/>
           </a:p>
@@ -2931,7 +2931,7 @@
           <a:p>
             <a:fld id="{9EE074A4-9FB9-4419-8C4A-090DF204130B}" type="datetimeFigureOut">
               <a:rPr lang="ko-KR" altLang="en-US" smtClean="0"/>
-              <a:t>2020-05-04</a:t>
+              <a:t>2020-05-06</a:t>
             </a:fld>
             <a:endParaRPr lang="ko-KR" altLang="en-US"/>
           </a:p>
@@ -6628,41 +6628,6 @@
           <a:chExt cx="0" cy="0"/>
         </a:xfrm>
       </p:grpSpPr>
-      <p:pic>
-        <p:nvPicPr>
-          <p:cNvPr id="5" name="내용 개체 틀 4">
-            <a:extLst>
-              <a:ext uri="{FF2B5EF4-FFF2-40B4-BE49-F238E27FC236}">
-                <a16:creationId xmlns:a16="http://schemas.microsoft.com/office/drawing/2014/main" id="{F8F6F8E2-74D0-4E00-900B-E36B3E39544B}"/>
-              </a:ext>
-            </a:extLst>
-          </p:cNvPr>
-          <p:cNvPicPr>
-            <a:picLocks noGrp="1" noChangeAspect="1"/>
-          </p:cNvPicPr>
-          <p:nvPr>
-            <p:ph idx="1"/>
-          </p:nvPr>
-        </p:nvPicPr>
-        <p:blipFill>
-          <a:blip r:embed="rId2">
-            <a:extLst>
-              <a:ext uri="{28A0092B-C50C-407E-A947-70E740481C1C}">
-                <a14:useLocalDpi xmlns:a14="http://schemas.microsoft.com/office/drawing/2010/main" val="0"/>
-              </a:ext>
-            </a:extLst>
-          </a:blip>
-          <a:stretch>
-            <a:fillRect/>
-          </a:stretch>
-        </p:blipFill>
-        <p:spPr>
-          <a:xfrm>
-            <a:off x="715648" y="1690688"/>
-            <a:ext cx="5730671" cy="3830345"/>
-          </a:xfrm>
-        </p:spPr>
-      </p:pic>
       <p:sp>
         <p:nvSpPr>
           <p:cNvPr id="7" name="제목 6">
@@ -6857,6 +6822,42 @@
           </a:p>
         </p:txBody>
       </p:sp>
+      <p:pic>
+        <p:nvPicPr>
+          <p:cNvPr id="3" name="그림 2" descr="스크린샷이(가) 표시된 사진&#10;&#10;자동 생성된 설명">
+            <a:extLst>
+              <a:ext uri="{FF2B5EF4-FFF2-40B4-BE49-F238E27FC236}">
+                <a16:creationId xmlns:a16="http://schemas.microsoft.com/office/drawing/2014/main" id="{997ED9A4-4E48-41C1-B6BC-0330CDEEC234}"/>
+              </a:ext>
+            </a:extLst>
+          </p:cNvPr>
+          <p:cNvPicPr>
+            <a:picLocks noChangeAspect="1"/>
+          </p:cNvPicPr>
+          <p:nvPr/>
+        </p:nvPicPr>
+        <p:blipFill>
+          <a:blip r:embed="rId2">
+            <a:extLst>
+              <a:ext uri="{28A0092B-C50C-407E-A947-70E740481C1C}">
+                <a14:useLocalDpi xmlns:a14="http://schemas.microsoft.com/office/drawing/2010/main" val="0"/>
+              </a:ext>
+            </a:extLst>
+          </a:blip>
+          <a:stretch>
+            <a:fillRect/>
+          </a:stretch>
+        </p:blipFill>
+        <p:spPr>
+          <a:xfrm>
+            <a:off x="1004129" y="1817514"/>
+            <a:ext cx="5221160" cy="3488132"/>
+          </a:xfrm>
+          <a:prstGeom prst="rect">
+            <a:avLst/>
+          </a:prstGeom>
+        </p:spPr>
+      </p:pic>
     </p:spTree>
     <p:extLst>
       <p:ext uri="{BB962C8B-B14F-4D97-AF65-F5344CB8AC3E}">
